--- a/CPS.pptx
+++ b/CPS.pptx
@@ -2,7 +2,7 @@
 <file path=ppt/presentation.xml><?xml version="1.0" encoding="utf-8"?>
 <p:presentation xmlns:a="http://schemas.openxmlformats.org/drawingml/2006/main" xmlns:r="http://schemas.openxmlformats.org/officeDocument/2006/relationships" xmlns:p="http://schemas.openxmlformats.org/presentationml/2006/main" saveSubsetFonts="1">
   <p:sldMasterIdLst>
-    <p:sldMasterId id="2147483660" r:id="rId1"/>
+    <p:sldMasterId id="2147483718" r:id="rId1"/>
   </p:sldMasterIdLst>
   <p:sldIdLst>
     <p:sldId id="256" r:id="rId2"/>
@@ -130,7 +130,7 @@
       </p:grpSpPr>
       <p:grpSp>
         <p:nvGrpSpPr>
-          <p:cNvPr id="7" name="Group 6"/>
+          <p:cNvPr id="8" name="Group 7"/>
           <p:cNvGrpSpPr/>
           <p:nvPr/>
         </p:nvGrpSpPr>
@@ -159,7 +159,8 @@
             <a:ln w="9525">
               <a:solidFill>
                 <a:schemeClr val="bg1">
-                  <a:lumMod val="75000"/>
+                  <a:lumMod val="85000"/>
+                  <a:lumOff val="15000"/>
                 </a:schemeClr>
               </a:solidFill>
             </a:ln>
@@ -197,6 +198,7 @@
               <a:solidFill>
                 <a:schemeClr val="bg1">
                   <a:lumMod val="85000"/>
+                  <a:lumOff val="15000"/>
                 </a:schemeClr>
               </a:solidFill>
             </a:ln>
@@ -884,7 +886,7 @@
     </p:spTree>
     <p:extLst>
       <p:ext uri="{BB962C8B-B14F-4D97-AF65-F5344CB8AC3E}">
-        <p14:creationId xmlns:p14="http://schemas.microsoft.com/office/powerpoint/2010/main" val="1862712261"/>
+        <p14:creationId xmlns:p14="http://schemas.microsoft.com/office/powerpoint/2010/main" val="733066033"/>
       </p:ext>
     </p:extLst>
   </p:cSld>
@@ -1135,7 +1137,7 @@
     </p:spTree>
     <p:extLst>
       <p:ext uri="{BB962C8B-B14F-4D97-AF65-F5344CB8AC3E}">
-        <p14:creationId xmlns:p14="http://schemas.microsoft.com/office/powerpoint/2010/main" val="3842685119"/>
+        <p14:creationId xmlns:p14="http://schemas.microsoft.com/office/powerpoint/2010/main" val="2634119020"/>
       </p:ext>
     </p:extLst>
   </p:cSld>
@@ -1474,10 +1476,7 @@
                   <a:noFill/>
                 </a:ln>
                 <a:solidFill>
-                  <a:schemeClr val="accent1">
-                    <a:lumMod val="60000"/>
-                    <a:lumOff val="40000"/>
-                  </a:schemeClr>
+                  <a:schemeClr val="accent1"/>
                 </a:solidFill>
                 <a:effectLst/>
                 <a:latin typeface="Arial"/>
@@ -1515,31 +1514,20 @@
                   <a:noFill/>
                 </a:ln>
                 <a:solidFill>
-                  <a:schemeClr val="accent1">
-                    <a:lumMod val="60000"/>
-                    <a:lumOff val="40000"/>
-                  </a:schemeClr>
-                </a:solidFill>
+                  <a:schemeClr val="accent1"/>
+                </a:solidFill>
+                <a:effectLst/>
                 <a:latin typeface="Arial"/>
               </a:rPr>
               <a:t>”</a:t>
             </a:r>
-            <a:endParaRPr lang="en-US" dirty="0">
-              <a:solidFill>
-                <a:schemeClr val="accent1">
-                  <a:lumMod val="60000"/>
-                  <a:lumOff val="40000"/>
-                </a:schemeClr>
-              </a:solidFill>
-              <a:latin typeface="Arial"/>
-            </a:endParaRPr>
           </a:p>
         </p:txBody>
       </p:sp>
     </p:spTree>
     <p:extLst>
       <p:ext uri="{BB962C8B-B14F-4D97-AF65-F5344CB8AC3E}">
-        <p14:creationId xmlns:p14="http://schemas.microsoft.com/office/powerpoint/2010/main" val="3845500093"/>
+        <p14:creationId xmlns:p14="http://schemas.microsoft.com/office/powerpoint/2010/main" val="3455236327"/>
       </p:ext>
     </p:extLst>
   </p:cSld>
@@ -1790,7 +1778,7 @@
     </p:spTree>
     <p:extLst>
       <p:ext uri="{BB962C8B-B14F-4D97-AF65-F5344CB8AC3E}">
-        <p14:creationId xmlns:p14="http://schemas.microsoft.com/office/powerpoint/2010/main" val="62265927"/>
+        <p14:creationId xmlns:p14="http://schemas.microsoft.com/office/powerpoint/2010/main" val="3074286356"/>
       </p:ext>
     </p:extLst>
   </p:cSld>
@@ -2129,10 +2117,7 @@
                   <a:noFill/>
                 </a:ln>
                 <a:solidFill>
-                  <a:schemeClr val="accent1">
-                    <a:lumMod val="60000"/>
-                    <a:lumOff val="40000"/>
-                  </a:schemeClr>
+                  <a:schemeClr val="accent1"/>
                 </a:solidFill>
                 <a:effectLst/>
                 <a:latin typeface="Arial"/>
@@ -2170,10 +2155,7 @@
                   <a:noFill/>
                 </a:ln>
                 <a:solidFill>
-                  <a:schemeClr val="accent1">
-                    <a:lumMod val="60000"/>
-                    <a:lumOff val="40000"/>
-                  </a:schemeClr>
+                  <a:schemeClr val="accent1"/>
                 </a:solidFill>
                 <a:effectLst/>
                 <a:latin typeface="Arial"/>
@@ -2186,7 +2168,7 @@
     </p:spTree>
     <p:extLst>
       <p:ext uri="{BB962C8B-B14F-4D97-AF65-F5344CB8AC3E}">
-        <p14:creationId xmlns:p14="http://schemas.microsoft.com/office/powerpoint/2010/main" val="996323626"/>
+        <p14:creationId xmlns:p14="http://schemas.microsoft.com/office/powerpoint/2010/main" val="13148771"/>
       </p:ext>
     </p:extLst>
   </p:cSld>
@@ -2497,7 +2479,7 @@
     </p:spTree>
     <p:extLst>
       <p:ext uri="{BB962C8B-B14F-4D97-AF65-F5344CB8AC3E}">
-        <p14:creationId xmlns:p14="http://schemas.microsoft.com/office/powerpoint/2010/main" val="1408117502"/>
+        <p14:creationId xmlns:p14="http://schemas.microsoft.com/office/powerpoint/2010/main" val="432796942"/>
       </p:ext>
     </p:extLst>
   </p:cSld>
@@ -2667,7 +2649,7 @@
     </p:spTree>
     <p:extLst>
       <p:ext uri="{BB962C8B-B14F-4D97-AF65-F5344CB8AC3E}">
-        <p14:creationId xmlns:p14="http://schemas.microsoft.com/office/powerpoint/2010/main" val="3536607681"/>
+        <p14:creationId xmlns:p14="http://schemas.microsoft.com/office/powerpoint/2010/main" val="2988430853"/>
       </p:ext>
     </p:extLst>
   </p:cSld>
@@ -2847,7 +2829,7 @@
     </p:spTree>
     <p:extLst>
       <p:ext uri="{BB962C8B-B14F-4D97-AF65-F5344CB8AC3E}">
-        <p14:creationId xmlns:p14="http://schemas.microsoft.com/office/powerpoint/2010/main" val="540786610"/>
+        <p14:creationId xmlns:p14="http://schemas.microsoft.com/office/powerpoint/2010/main" val="262501889"/>
       </p:ext>
     </p:extLst>
   </p:cSld>
@@ -3023,7 +3005,7 @@
     </p:spTree>
     <p:extLst>
       <p:ext uri="{BB962C8B-B14F-4D97-AF65-F5344CB8AC3E}">
-        <p14:creationId xmlns:p14="http://schemas.microsoft.com/office/powerpoint/2010/main" val="960773197"/>
+        <p14:creationId xmlns:p14="http://schemas.microsoft.com/office/powerpoint/2010/main" val="3326484711"/>
       </p:ext>
     </p:extLst>
   </p:cSld>
@@ -3270,7 +3252,7 @@
     </p:spTree>
     <p:extLst>
       <p:ext uri="{BB962C8B-B14F-4D97-AF65-F5344CB8AC3E}">
-        <p14:creationId xmlns:p14="http://schemas.microsoft.com/office/powerpoint/2010/main" val="3293668433"/>
+        <p14:creationId xmlns:p14="http://schemas.microsoft.com/office/powerpoint/2010/main" val="3019711672"/>
       </p:ext>
     </p:extLst>
   </p:cSld>
@@ -3502,7 +3484,7 @@
     </p:spTree>
     <p:extLst>
       <p:ext uri="{BB962C8B-B14F-4D97-AF65-F5344CB8AC3E}">
-        <p14:creationId xmlns:p14="http://schemas.microsoft.com/office/powerpoint/2010/main" val="3937302792"/>
+        <p14:creationId xmlns:p14="http://schemas.microsoft.com/office/powerpoint/2010/main" val="2308974312"/>
       </p:ext>
     </p:extLst>
   </p:cSld>
@@ -3876,7 +3858,7 @@
     </p:spTree>
     <p:extLst>
       <p:ext uri="{BB962C8B-B14F-4D97-AF65-F5344CB8AC3E}">
-        <p14:creationId xmlns:p14="http://schemas.microsoft.com/office/powerpoint/2010/main" val="1395625549"/>
+        <p14:creationId xmlns:p14="http://schemas.microsoft.com/office/powerpoint/2010/main" val="3650324424"/>
       </p:ext>
     </p:extLst>
   </p:cSld>
@@ -3999,7 +3981,7 @@
     </p:spTree>
     <p:extLst>
       <p:ext uri="{BB962C8B-B14F-4D97-AF65-F5344CB8AC3E}">
-        <p14:creationId xmlns:p14="http://schemas.microsoft.com/office/powerpoint/2010/main" val="3183210814"/>
+        <p14:creationId xmlns:p14="http://schemas.microsoft.com/office/powerpoint/2010/main" val="1648795488"/>
       </p:ext>
     </p:extLst>
   </p:cSld>
@@ -4094,7 +4076,7 @@
     </p:spTree>
     <p:extLst>
       <p:ext uri="{BB962C8B-B14F-4D97-AF65-F5344CB8AC3E}">
-        <p14:creationId xmlns:p14="http://schemas.microsoft.com/office/powerpoint/2010/main" val="1140730998"/>
+        <p14:creationId xmlns:p14="http://schemas.microsoft.com/office/powerpoint/2010/main" val="2834054077"/>
       </p:ext>
     </p:extLst>
   </p:cSld>
@@ -4349,7 +4331,7 @@
     </p:spTree>
     <p:extLst>
       <p:ext uri="{BB962C8B-B14F-4D97-AF65-F5344CB8AC3E}">
-        <p14:creationId xmlns:p14="http://schemas.microsoft.com/office/powerpoint/2010/main" val="1155258166"/>
+        <p14:creationId xmlns:p14="http://schemas.microsoft.com/office/powerpoint/2010/main" val="1715818239"/>
       </p:ext>
     </p:extLst>
   </p:cSld>
@@ -4612,7 +4594,7 @@
     </p:spTree>
     <p:extLst>
       <p:ext uri="{BB962C8B-B14F-4D97-AF65-F5344CB8AC3E}">
-        <p14:creationId xmlns:p14="http://schemas.microsoft.com/office/powerpoint/2010/main" val="1437542551"/>
+        <p14:creationId xmlns:p14="http://schemas.microsoft.com/office/powerpoint/2010/main" val="995580452"/>
       </p:ext>
     </p:extLst>
   </p:cSld>
@@ -4627,7 +4609,7 @@
   <p:cSld>
     <p:bg>
       <p:bgRef idx="1001">
-        <a:schemeClr val="bg1"/>
+        <a:schemeClr val="bg2"/>
       </p:bgRef>
     </p:bg>
     <p:spTree>
@@ -4646,7 +4628,7 @@
       </p:grpSpPr>
       <p:grpSp>
         <p:nvGrpSpPr>
-          <p:cNvPr id="7" name="Group 6"/>
+          <p:cNvPr id="8" name="Group 7"/>
           <p:cNvGrpSpPr/>
           <p:nvPr/>
         </p:nvGrpSpPr>
@@ -4675,7 +4657,8 @@
             <a:ln w="9525">
               <a:solidFill>
                 <a:schemeClr val="bg1">
-                  <a:lumMod val="75000"/>
+                  <a:lumMod val="85000"/>
+                  <a:lumOff val="15000"/>
                 </a:schemeClr>
               </a:solidFill>
             </a:ln>
@@ -4713,6 +4696,7 @@
               <a:solidFill>
                 <a:schemeClr val="bg1">
                   <a:lumMod val="85000"/>
+                  <a:lumOff val="15000"/>
                 </a:schemeClr>
               </a:solidFill>
             </a:ln>
@@ -5389,28 +5373,28 @@
     </p:spTree>
     <p:extLst>
       <p:ext uri="{BB962C8B-B14F-4D97-AF65-F5344CB8AC3E}">
-        <p14:creationId xmlns:p14="http://schemas.microsoft.com/office/powerpoint/2010/main" val="1205417842"/>
+        <p14:creationId xmlns:p14="http://schemas.microsoft.com/office/powerpoint/2010/main" val="2271035288"/>
       </p:ext>
     </p:extLst>
   </p:cSld>
-  <p:clrMap bg1="lt1" tx1="dk1" bg2="lt2" tx2="dk2" accent1="accent1" accent2="accent2" accent3="accent3" accent4="accent4" accent5="accent5" accent6="accent6" hlink="hlink" folHlink="folHlink"/>
+  <p:clrMap bg1="dk1" tx1="lt1" bg2="dk2" tx2="lt2" accent1="accent1" accent2="accent2" accent3="accent3" accent4="accent4" accent5="accent5" accent6="accent6" hlink="hlink" folHlink="folHlink"/>
   <p:sldLayoutIdLst>
-    <p:sldLayoutId id="2147483661" r:id="rId1"/>
-    <p:sldLayoutId id="2147483662" r:id="rId2"/>
-    <p:sldLayoutId id="2147483663" r:id="rId3"/>
-    <p:sldLayoutId id="2147483664" r:id="rId4"/>
-    <p:sldLayoutId id="2147483665" r:id="rId5"/>
-    <p:sldLayoutId id="2147483666" r:id="rId6"/>
-    <p:sldLayoutId id="2147483667" r:id="rId7"/>
-    <p:sldLayoutId id="2147483668" r:id="rId8"/>
-    <p:sldLayoutId id="2147483669" r:id="rId9"/>
-    <p:sldLayoutId id="2147483670" r:id="rId10"/>
-    <p:sldLayoutId id="2147483671" r:id="rId11"/>
-    <p:sldLayoutId id="2147483672" r:id="rId12"/>
-    <p:sldLayoutId id="2147483673" r:id="rId13"/>
-    <p:sldLayoutId id="2147483674" r:id="rId14"/>
-    <p:sldLayoutId id="2147483675" r:id="rId15"/>
-    <p:sldLayoutId id="2147483676" r:id="rId16"/>
+    <p:sldLayoutId id="2147483719" r:id="rId1"/>
+    <p:sldLayoutId id="2147483720" r:id="rId2"/>
+    <p:sldLayoutId id="2147483721" r:id="rId3"/>
+    <p:sldLayoutId id="2147483722" r:id="rId4"/>
+    <p:sldLayoutId id="2147483723" r:id="rId5"/>
+    <p:sldLayoutId id="2147483724" r:id="rId6"/>
+    <p:sldLayoutId id="2147483725" r:id="rId7"/>
+    <p:sldLayoutId id="2147483726" r:id="rId8"/>
+    <p:sldLayoutId id="2147483727" r:id="rId9"/>
+    <p:sldLayoutId id="2147483728" r:id="rId10"/>
+    <p:sldLayoutId id="2147483729" r:id="rId11"/>
+    <p:sldLayoutId id="2147483730" r:id="rId12"/>
+    <p:sldLayoutId id="2147483731" r:id="rId13"/>
+    <p:sldLayoutId id="2147483732" r:id="rId14"/>
+    <p:sldLayoutId id="2147483733" r:id="rId15"/>
+    <p:sldLayoutId id="2147483734" r:id="rId16"/>
   </p:sldLayoutIdLst>
   <p:txStyles>
     <p:titleStyle>
@@ -5953,12 +5937,7 @@
             <p:ph type="title"/>
           </p:nvPr>
         </p:nvSpPr>
-        <p:spPr>
-          <a:xfrm>
-            <a:off x="677334" y="609600"/>
-            <a:ext cx="8596668" cy="1320800"/>
-          </a:xfrm>
-        </p:spPr>
+        <p:spPr/>
         <p:txBody>
           <a:bodyPr/>
           <a:lstStyle/>
@@ -6590,7 +6569,7 @@
   <a:extraClrSchemeLst/>
   <a:extLst>
     <a:ext uri="{05A4C25C-085E-4340-85A3-A5531E510DB2}">
-      <thm15:themeFamily xmlns:thm15="http://schemas.microsoft.com/office/thememl/2012/main" name="Facet" id="{C0C680CD-088A-49FC-A102-D699147F32B2}" vid="{CFBC31BA-B70F-4F30-BCAA-4F3011E16C4D}"/>
+      <thm15:themeFamily xmlns:thm15="http://schemas.microsoft.com/office/thememl/2012/main" name="Facet" id="{C0C680CD-088A-49FC-A102-D699147F32B2}" vid="{8C59B386-999D-4CB6-B907-9F3997C027CC}"/>
     </a:ext>
   </a:extLst>
 </a:theme>

--- a/CPS.pptx
+++ b/CPS.pptx
@@ -6076,7 +6076,21 @@
           <a:p>
             <a:r>
               <a:rPr lang="en-US" dirty="0"/>
-              <a:t>We used catch but what we did was closer to tested development, not test driven development. We ended up writing many of the tests after the fact.</a:t>
+              <a:t>We used catch but we wrote many of the tests after the fact, so it true TDD.</a:t>
+            </a:r>
+          </a:p>
+          <a:p>
+            <a:r>
+              <a:rPr lang="en-US" dirty="0"/>
+              <a:t>We </a:t>
+            </a:r>
+            <a:r>
+              <a:rPr lang="en-US"/>
+              <a:t>tested PS output </a:t>
+            </a:r>
+            <a:r>
+              <a:rPr lang="en-US" dirty="0"/>
+              <a:t>visually (with our eyes not computer vision).</a:t>
             </a:r>
           </a:p>
         </p:txBody>

--- a/CPS.pptx
+++ b/CPS.pptx
@@ -6076,21 +6076,13 @@
           <a:p>
             <a:r>
               <a:rPr lang="en-US" dirty="0"/>
-              <a:t>We used catch but we wrote many of the tests after the fact, so it true TDD.</a:t>
+              <a:t>We used catch but we wrote many of the tests after the fact, so it was not true TDD.</a:t>
             </a:r>
           </a:p>
           <a:p>
             <a:r>
               <a:rPr lang="en-US" dirty="0"/>
-              <a:t>We </a:t>
-            </a:r>
-            <a:r>
-              <a:rPr lang="en-US"/>
-              <a:t>tested PS output </a:t>
-            </a:r>
-            <a:r>
-              <a:rPr lang="en-US" dirty="0"/>
-              <a:t>visually (with our eyes not computer vision).</a:t>
+              <a:t>We tested PS output visually (with our eyes not computer vision).</a:t>
             </a:r>
           </a:p>
         </p:txBody>
@@ -6182,7 +6174,7 @@
           <a:p>
             <a:r>
               <a:rPr lang="en-US" dirty="0"/>
-              <a:t>Scaled, Layered, Horizontal, and Vertical</a:t>
+              <a:t>Scaled, Layered, Horizontal, and Vertical Compound Shapes</a:t>
             </a:r>
           </a:p>
           <a:p>
@@ -6196,6 +6188,40 @@
               <a:rPr lang="en-US" dirty="0"/>
               <a:t>Rainbow Ball shape</a:t>
             </a:r>
+          </a:p>
+          <a:p>
+            <a:pPr marL="0" indent="0">
+              <a:buNone/>
+            </a:pPr>
+            <a:endParaRPr lang="en-US" dirty="0"/>
+          </a:p>
+          <a:p>
+            <a:pPr marL="0" indent="0">
+              <a:buNone/>
+            </a:pPr>
+            <a:endParaRPr lang="en-US" dirty="0"/>
+          </a:p>
+          <a:p>
+            <a:pPr marL="0" indent="0">
+              <a:buNone/>
+            </a:pPr>
+            <a:r>
+              <a:rPr lang="en-US" dirty="0"/>
+              <a:t>                                                                      </a:t>
+            </a:r>
+            <a:r>
+              <a:rPr lang="en-US" sz="2800" dirty="0">
+                <a:solidFill>
+                  <a:schemeClr val="accent1"/>
+                </a:solidFill>
+              </a:rPr>
+              <a:t>But…</a:t>
+            </a:r>
+            <a:endParaRPr lang="en-US" dirty="0">
+              <a:solidFill>
+                <a:schemeClr val="accent1"/>
+              </a:solidFill>
+            </a:endParaRPr>
           </a:p>
         </p:txBody>
       </p:sp>
@@ -6294,7 +6320,7 @@
             <a:pPr lvl="1"/>
             <a:r>
               <a:rPr lang="en-US" dirty="0"/>
-              <a:t>Adding a polygon to Vertical or Horizontal compound shapes does not work.</a:t>
+              <a:t>Adding a polygon to vertical or horizontal compound shapes does not work.</a:t>
             </a:r>
           </a:p>
           <a:p>
@@ -6314,7 +6340,7 @@
             <a:pPr lvl="1"/>
             <a:r>
               <a:rPr lang="en-US" dirty="0"/>
-              <a:t>Cause of trouble: This is a repeated rotated shape so the input radius is half the radius of the overall shape. </a:t>
+              <a:t>Cause of trouble: This is a repeated rotated shape so the input radius is half the radius of the overall shape, which we have not yet accounted for. </a:t>
             </a:r>
           </a:p>
         </p:txBody>

--- a/CPS.pptx
+++ b/CPS.pptx
@@ -7,9 +7,10 @@
   <p:sldIdLst>
     <p:sldId id="256" r:id="rId2"/>
     <p:sldId id="257" r:id="rId3"/>
-    <p:sldId id="258" r:id="rId4"/>
-    <p:sldId id="259" r:id="rId5"/>
-    <p:sldId id="260" r:id="rId6"/>
+    <p:sldId id="261" r:id="rId4"/>
+    <p:sldId id="258" r:id="rId5"/>
+    <p:sldId id="259" r:id="rId6"/>
+    <p:sldId id="260" r:id="rId7"/>
   </p:sldIdLst>
   <p:sldSz cx="12192000" cy="6858000"/>
   <p:notesSz cx="6858000" cy="9144000"/>
@@ -6030,7 +6031,7 @@
           <p:cNvPr id="2" name="Title 1">
             <a:extLst>
               <a:ext uri="{FF2B5EF4-FFF2-40B4-BE49-F238E27FC236}">
-                <a16:creationId xmlns:a16="http://schemas.microsoft.com/office/drawing/2014/main" id="{3998AD56-9DB1-4E1D-9C62-CDF455EFCCE6}"/>
+                <a16:creationId xmlns:a16="http://schemas.microsoft.com/office/drawing/2014/main" id="{433AC802-4258-4837-AF54-3B9722936DA8}"/>
               </a:ext>
             </a:extLst>
           </p:cNvPr>
@@ -6048,7 +6049,7 @@
           <a:p>
             <a:r>
               <a:rPr lang="en-US" dirty="0"/>
-              <a:t>Test Driven Development</a:t>
+              <a:t>Structure</a:t>
             </a:r>
           </a:p>
         </p:txBody>
@@ -6058,7 +6059,7 @@
           <p:cNvPr id="3" name="Content Placeholder 2">
             <a:extLst>
               <a:ext uri="{FF2B5EF4-FFF2-40B4-BE49-F238E27FC236}">
-                <a16:creationId xmlns:a16="http://schemas.microsoft.com/office/drawing/2014/main" id="{B1FF1BFA-AA95-41C9-BF59-66822754967A}"/>
+                <a16:creationId xmlns:a16="http://schemas.microsoft.com/office/drawing/2014/main" id="{470ED478-452D-474B-8FF4-A9370B5B7687}"/>
               </a:ext>
             </a:extLst>
           </p:cNvPr>
@@ -6076,13 +6077,14 @@
           <a:p>
             <a:r>
               <a:rPr lang="en-US" dirty="0"/>
-              <a:t>We used catch but we wrote many of the tests after the fact, so it was not true TDD.</a:t>
-            </a:r>
-          </a:p>
-          <a:p>
+              <a:t>We used polymorphism with a base shape class.</a:t>
+            </a:r>
+          </a:p>
+          <a:p>
+            <a:pPr lvl="1"/>
             <a:r>
               <a:rPr lang="en-US" dirty="0"/>
-              <a:t>We tested PS output visually (with our eyes not computer vision).</a:t>
+              <a:t>Derived basic and compound shape classes</a:t>
             </a:r>
           </a:p>
         </p:txBody>
@@ -6090,7 +6092,7 @@
     </p:spTree>
     <p:extLst>
       <p:ext uri="{BB962C8B-B14F-4D97-AF65-F5344CB8AC3E}">
-        <p14:creationId xmlns:p14="http://schemas.microsoft.com/office/powerpoint/2010/main" val="845379722"/>
+        <p14:creationId xmlns:p14="http://schemas.microsoft.com/office/powerpoint/2010/main" val="3891985695"/>
       </p:ext>
     </p:extLst>
   </p:cSld>
@@ -6122,6 +6124,98 @@
           <p:cNvPr id="2" name="Title 1">
             <a:extLst>
               <a:ext uri="{FF2B5EF4-FFF2-40B4-BE49-F238E27FC236}">
+                <a16:creationId xmlns:a16="http://schemas.microsoft.com/office/drawing/2014/main" id="{3998AD56-9DB1-4E1D-9C62-CDF455EFCCE6}"/>
+              </a:ext>
+            </a:extLst>
+          </p:cNvPr>
+          <p:cNvSpPr>
+            <a:spLocks noGrp="1"/>
+          </p:cNvSpPr>
+          <p:nvPr>
+            <p:ph type="title"/>
+          </p:nvPr>
+        </p:nvSpPr>
+        <p:spPr/>
+        <p:txBody>
+          <a:bodyPr/>
+          <a:lstStyle/>
+          <a:p>
+            <a:r>
+              <a:rPr lang="en-US" dirty="0"/>
+              <a:t>Test Driven Development</a:t>
+            </a:r>
+          </a:p>
+        </p:txBody>
+      </p:sp>
+      <p:sp>
+        <p:nvSpPr>
+          <p:cNvPr id="3" name="Content Placeholder 2">
+            <a:extLst>
+              <a:ext uri="{FF2B5EF4-FFF2-40B4-BE49-F238E27FC236}">
+                <a16:creationId xmlns:a16="http://schemas.microsoft.com/office/drawing/2014/main" id="{B1FF1BFA-AA95-41C9-BF59-66822754967A}"/>
+              </a:ext>
+            </a:extLst>
+          </p:cNvPr>
+          <p:cNvSpPr>
+            <a:spLocks noGrp="1"/>
+          </p:cNvSpPr>
+          <p:nvPr>
+            <p:ph idx="1"/>
+          </p:nvPr>
+        </p:nvSpPr>
+        <p:spPr/>
+        <p:txBody>
+          <a:bodyPr/>
+          <a:lstStyle/>
+          <a:p>
+            <a:r>
+              <a:rPr lang="en-US" dirty="0"/>
+              <a:t>We used catch but we wrote many of the tests after the fact, so it was not true TDD.</a:t>
+            </a:r>
+          </a:p>
+          <a:p>
+            <a:r>
+              <a:rPr lang="en-US" dirty="0"/>
+              <a:t>We tested PS output visually (with our eyes not computer vision).</a:t>
+            </a:r>
+          </a:p>
+        </p:txBody>
+      </p:sp>
+    </p:spTree>
+    <p:extLst>
+      <p:ext uri="{BB962C8B-B14F-4D97-AF65-F5344CB8AC3E}">
+        <p14:creationId xmlns:p14="http://schemas.microsoft.com/office/powerpoint/2010/main" val="845379722"/>
+      </p:ext>
+    </p:extLst>
+  </p:cSld>
+  <p:clrMapOvr>
+    <a:masterClrMapping/>
+  </p:clrMapOvr>
+</p:sld>
+</file>
+
+<file path=ppt/slides/slide5.xml><?xml version="1.0" encoding="utf-8"?>
+<p:sld xmlns:a="http://schemas.openxmlformats.org/drawingml/2006/main" xmlns:r="http://schemas.openxmlformats.org/officeDocument/2006/relationships" xmlns:p="http://schemas.openxmlformats.org/presentationml/2006/main">
+  <p:cSld>
+    <p:spTree>
+      <p:nvGrpSpPr>
+        <p:cNvPr id="1" name=""/>
+        <p:cNvGrpSpPr/>
+        <p:nvPr/>
+      </p:nvGrpSpPr>
+      <p:grpSpPr>
+        <a:xfrm>
+          <a:off x="0" y="0"/>
+          <a:ext cx="0" cy="0"/>
+          <a:chOff x="0" y="0"/>
+          <a:chExt cx="0" cy="0"/>
+        </a:xfrm>
+      </p:grpSpPr>
+      <p:sp>
+        <p:nvSpPr>
+          <p:cNvPr id="2" name="Title 1">
+            <a:extLst>
+              <a:ext uri="{FF2B5EF4-FFF2-40B4-BE49-F238E27FC236}">
                 <a16:creationId xmlns:a16="http://schemas.microsoft.com/office/drawing/2014/main" id="{38823B07-0B39-4339-81E4-3FD1D86CD94E}"/>
               </a:ext>
             </a:extLst>
@@ -6238,7 +6332,7 @@
 </p:sld>
 </file>
 
-<file path=ppt/slides/slide5.xml><?xml version="1.0" encoding="utf-8"?>
+<file path=ppt/slides/slide6.xml><?xml version="1.0" encoding="utf-8"?>
 <p:sld xmlns:a="http://schemas.openxmlformats.org/drawingml/2006/main" xmlns:r="http://schemas.openxmlformats.org/officeDocument/2006/relationships" xmlns:p="http://schemas.openxmlformats.org/presentationml/2006/main">
   <p:cSld>
     <p:spTree>

--- a/CPS.pptx
+++ b/CPS.pptx
@@ -7,8 +7,8 @@
   <p:sldIdLst>
     <p:sldId id="256" r:id="rId2"/>
     <p:sldId id="257" r:id="rId3"/>
-    <p:sldId id="261" r:id="rId4"/>
-    <p:sldId id="258" r:id="rId5"/>
+    <p:sldId id="258" r:id="rId4"/>
+    <p:sldId id="261" r:id="rId5"/>
     <p:sldId id="259" r:id="rId6"/>
     <p:sldId id="260" r:id="rId7"/>
   </p:sldIdLst>
@@ -6031,7 +6031,7 @@
           <p:cNvPr id="2" name="Title 1">
             <a:extLst>
               <a:ext uri="{FF2B5EF4-FFF2-40B4-BE49-F238E27FC236}">
-                <a16:creationId xmlns:a16="http://schemas.microsoft.com/office/drawing/2014/main" id="{433AC802-4258-4837-AF54-3B9722936DA8}"/>
+                <a16:creationId xmlns:a16="http://schemas.microsoft.com/office/drawing/2014/main" id="{3998AD56-9DB1-4E1D-9C62-CDF455EFCCE6}"/>
               </a:ext>
             </a:extLst>
           </p:cNvPr>
@@ -6049,7 +6049,7 @@
           <a:p>
             <a:r>
               <a:rPr lang="en-US" dirty="0"/>
-              <a:t>Structure</a:t>
+              <a:t>Test Driven Development</a:t>
             </a:r>
           </a:p>
         </p:txBody>
@@ -6059,7 +6059,7 @@
           <p:cNvPr id="3" name="Content Placeholder 2">
             <a:extLst>
               <a:ext uri="{FF2B5EF4-FFF2-40B4-BE49-F238E27FC236}">
-                <a16:creationId xmlns:a16="http://schemas.microsoft.com/office/drawing/2014/main" id="{470ED478-452D-474B-8FF4-A9370B5B7687}"/>
+                <a16:creationId xmlns:a16="http://schemas.microsoft.com/office/drawing/2014/main" id="{B1FF1BFA-AA95-41C9-BF59-66822754967A}"/>
               </a:ext>
             </a:extLst>
           </p:cNvPr>
@@ -6077,14 +6077,13 @@
           <a:p>
             <a:r>
               <a:rPr lang="en-US" dirty="0"/>
-              <a:t>We used polymorphism with a base shape class.</a:t>
-            </a:r>
-          </a:p>
-          <a:p>
-            <a:pPr lvl="1"/>
+              <a:t>We used catch but we wrote many of the tests after the fact, so it was not true TDD.</a:t>
+            </a:r>
+          </a:p>
+          <a:p>
             <a:r>
               <a:rPr lang="en-US" dirty="0"/>
-              <a:t>Derived basic and compound shape classes</a:t>
+              <a:t>We tested PS output visually (with our eyes not computer vision).</a:t>
             </a:r>
           </a:p>
         </p:txBody>
@@ -6092,7 +6091,7 @@
     </p:spTree>
     <p:extLst>
       <p:ext uri="{BB962C8B-B14F-4D97-AF65-F5344CB8AC3E}">
-        <p14:creationId xmlns:p14="http://schemas.microsoft.com/office/powerpoint/2010/main" val="3891985695"/>
+        <p14:creationId xmlns:p14="http://schemas.microsoft.com/office/powerpoint/2010/main" val="845379722"/>
       </p:ext>
     </p:extLst>
   </p:cSld>
@@ -6124,7 +6123,7 @@
           <p:cNvPr id="2" name="Title 1">
             <a:extLst>
               <a:ext uri="{FF2B5EF4-FFF2-40B4-BE49-F238E27FC236}">
-                <a16:creationId xmlns:a16="http://schemas.microsoft.com/office/drawing/2014/main" id="{3998AD56-9DB1-4E1D-9C62-CDF455EFCCE6}"/>
+                <a16:creationId xmlns:a16="http://schemas.microsoft.com/office/drawing/2014/main" id="{433AC802-4258-4837-AF54-3B9722936DA8}"/>
               </a:ext>
             </a:extLst>
           </p:cNvPr>
@@ -6142,7 +6141,7 @@
           <a:p>
             <a:r>
               <a:rPr lang="en-US" dirty="0"/>
-              <a:t>Test Driven Development</a:t>
+              <a:t>Structure</a:t>
             </a:r>
           </a:p>
         </p:txBody>
@@ -6152,7 +6151,7 @@
           <p:cNvPr id="3" name="Content Placeholder 2">
             <a:extLst>
               <a:ext uri="{FF2B5EF4-FFF2-40B4-BE49-F238E27FC236}">
-                <a16:creationId xmlns:a16="http://schemas.microsoft.com/office/drawing/2014/main" id="{B1FF1BFA-AA95-41C9-BF59-66822754967A}"/>
+                <a16:creationId xmlns:a16="http://schemas.microsoft.com/office/drawing/2014/main" id="{470ED478-452D-474B-8FF4-A9370B5B7687}"/>
               </a:ext>
             </a:extLst>
           </p:cNvPr>
@@ -6170,13 +6169,14 @@
           <a:p>
             <a:r>
               <a:rPr lang="en-US" dirty="0"/>
-              <a:t>We used catch but we wrote many of the tests after the fact, so it was not true TDD.</a:t>
-            </a:r>
-          </a:p>
-          <a:p>
+              <a:t>We used polymorphism with a base shape class.</a:t>
+            </a:r>
+          </a:p>
+          <a:p>
+            <a:pPr lvl="1"/>
             <a:r>
               <a:rPr lang="en-US" dirty="0"/>
-              <a:t>We tested PS output visually (with our eyes not computer vision).</a:t>
+              <a:t>Derived basic and compound shape classes</a:t>
             </a:r>
           </a:p>
         </p:txBody>
@@ -6184,7 +6184,7 @@
     </p:spTree>
     <p:extLst>
       <p:ext uri="{BB962C8B-B14F-4D97-AF65-F5344CB8AC3E}">
-        <p14:creationId xmlns:p14="http://schemas.microsoft.com/office/powerpoint/2010/main" val="845379722"/>
+        <p14:creationId xmlns:p14="http://schemas.microsoft.com/office/powerpoint/2010/main" val="3891985695"/>
       </p:ext>
     </p:extLst>
   </p:cSld>
